--- a/10th Node/Ten-min-Seminar/21.02.20 Sequelize Migration/Sequelize Migration.pptx
+++ b/10th Node/Ten-min-Seminar/21.02.20 Sequelize Migration/Sequelize Migration.pptx
@@ -218,7 +218,7 @@
           <a:p>
             <a:fld id="{72B1295F-8928-3248-B4B2-B95492A9B999}" type="datetimeFigureOut">
               <a:rPr kumimoji="1" lang="ko-Kore-KR" altLang="en-US" smtClean="0"/>
-              <a:t>2021. 2. 20.</a:t>
+              <a:t>2021. 2. 21.</a:t>
             </a:fld>
             <a:endParaRPr kumimoji="1" lang="ko-Kore-KR" altLang="en-US"/>
           </a:p>
@@ -615,7 +615,7 @@
           <a:p>
             <a:fld id="{974660E2-A8B9-44CC-9E7C-52ADA9560240}" type="datetimeFigureOut">
               <a:rPr lang="ko-KR" altLang="en-US" smtClean="0"/>
-              <a:t>2021. 2. 20.</a:t>
+              <a:t>2021. 2. 21.</a:t>
             </a:fld>
             <a:endParaRPr lang="ko-KR" altLang="en-US"/>
           </a:p>
@@ -783,7 +783,7 @@
           <a:p>
             <a:fld id="{974660E2-A8B9-44CC-9E7C-52ADA9560240}" type="datetimeFigureOut">
               <a:rPr lang="ko-KR" altLang="en-US" smtClean="0"/>
-              <a:t>2021. 2. 20.</a:t>
+              <a:t>2021. 2. 21.</a:t>
             </a:fld>
             <a:endParaRPr lang="ko-KR" altLang="en-US"/>
           </a:p>
@@ -961,7 +961,7 @@
           <a:p>
             <a:fld id="{974660E2-A8B9-44CC-9E7C-52ADA9560240}" type="datetimeFigureOut">
               <a:rPr lang="ko-KR" altLang="en-US" smtClean="0"/>
-              <a:t>2021. 2. 20.</a:t>
+              <a:t>2021. 2. 21.</a:t>
             </a:fld>
             <a:endParaRPr lang="ko-KR" altLang="en-US"/>
           </a:p>
@@ -1129,7 +1129,7 @@
           <a:p>
             <a:fld id="{974660E2-A8B9-44CC-9E7C-52ADA9560240}" type="datetimeFigureOut">
               <a:rPr lang="ko-KR" altLang="en-US" smtClean="0"/>
-              <a:t>2021. 2. 20.</a:t>
+              <a:t>2021. 2. 21.</a:t>
             </a:fld>
             <a:endParaRPr lang="ko-KR" altLang="en-US"/>
           </a:p>
@@ -1374,7 +1374,7 @@
           <a:p>
             <a:fld id="{974660E2-A8B9-44CC-9E7C-52ADA9560240}" type="datetimeFigureOut">
               <a:rPr lang="ko-KR" altLang="en-US" smtClean="0"/>
-              <a:t>2021. 2. 20.</a:t>
+              <a:t>2021. 2. 21.</a:t>
             </a:fld>
             <a:endParaRPr lang="ko-KR" altLang="en-US"/>
           </a:p>
@@ -1603,7 +1603,7 @@
           <a:p>
             <a:fld id="{974660E2-A8B9-44CC-9E7C-52ADA9560240}" type="datetimeFigureOut">
               <a:rPr lang="ko-KR" altLang="en-US" smtClean="0"/>
-              <a:t>2021. 2. 20.</a:t>
+              <a:t>2021. 2. 21.</a:t>
             </a:fld>
             <a:endParaRPr lang="ko-KR" altLang="en-US"/>
           </a:p>
@@ -1967,7 +1967,7 @@
           <a:p>
             <a:fld id="{974660E2-A8B9-44CC-9E7C-52ADA9560240}" type="datetimeFigureOut">
               <a:rPr lang="ko-KR" altLang="en-US" smtClean="0"/>
-              <a:t>2021. 2. 20.</a:t>
+              <a:t>2021. 2. 21.</a:t>
             </a:fld>
             <a:endParaRPr lang="ko-KR" altLang="en-US"/>
           </a:p>
@@ -2084,7 +2084,7 @@
           <a:p>
             <a:fld id="{974660E2-A8B9-44CC-9E7C-52ADA9560240}" type="datetimeFigureOut">
               <a:rPr lang="ko-KR" altLang="en-US" smtClean="0"/>
-              <a:t>2021. 2. 20.</a:t>
+              <a:t>2021. 2. 21.</a:t>
             </a:fld>
             <a:endParaRPr lang="ko-KR" altLang="en-US"/>
           </a:p>
@@ -2179,7 +2179,7 @@
           <a:p>
             <a:fld id="{974660E2-A8B9-44CC-9E7C-52ADA9560240}" type="datetimeFigureOut">
               <a:rPr lang="ko-KR" altLang="en-US" smtClean="0"/>
-              <a:t>2021. 2. 20.</a:t>
+              <a:t>2021. 2. 21.</a:t>
             </a:fld>
             <a:endParaRPr lang="ko-KR" altLang="en-US"/>
           </a:p>
@@ -2454,7 +2454,7 @@
           <a:p>
             <a:fld id="{974660E2-A8B9-44CC-9E7C-52ADA9560240}" type="datetimeFigureOut">
               <a:rPr lang="ko-KR" altLang="en-US" smtClean="0"/>
-              <a:t>2021. 2. 20.</a:t>
+              <a:t>2021. 2. 21.</a:t>
             </a:fld>
             <a:endParaRPr lang="ko-KR" altLang="en-US"/>
           </a:p>
@@ -2706,7 +2706,7 @@
           <a:p>
             <a:fld id="{974660E2-A8B9-44CC-9E7C-52ADA9560240}" type="datetimeFigureOut">
               <a:rPr lang="ko-KR" altLang="en-US" smtClean="0"/>
-              <a:t>2021. 2. 20.</a:t>
+              <a:t>2021. 2. 21.</a:t>
             </a:fld>
             <a:endParaRPr lang="ko-KR" altLang="en-US"/>
           </a:p>
@@ -2917,7 +2917,7 @@
           <a:p>
             <a:fld id="{974660E2-A8B9-44CC-9E7C-52ADA9560240}" type="datetimeFigureOut">
               <a:rPr lang="ko-KR" altLang="en-US" smtClean="0"/>
-              <a:t>2021. 2. 20.</a:t>
+              <a:t>2021. 2. 21.</a:t>
             </a:fld>
             <a:endParaRPr lang="ko-KR" altLang="en-US"/>
           </a:p>
@@ -3629,11 +3629,18 @@
               <a:t>ⓒ </a:t>
             </a:r>
             <a:r>
+              <a:rPr lang="en-US" altLang="ko-KR" sz="1200" b="1">
+                <a:latin typeface="굴림" panose="020B0600000101010101" pitchFamily="50" charset="-127"/>
+                <a:ea typeface="굴림" panose="020B0600000101010101" pitchFamily="50" charset="-127"/>
+              </a:rPr>
+              <a:t>2021. </a:t>
+            </a:r>
+            <a:r>
               <a:rPr lang="en-US" altLang="ko-KR" sz="1200" b="1" dirty="0">
                 <a:latin typeface="굴림" panose="020B0600000101010101" pitchFamily="50" charset="-127"/>
                 <a:ea typeface="굴림" panose="020B0600000101010101" pitchFamily="50" charset="-127"/>
               </a:rPr>
-              <a:t>2020. Mash-up-</a:t>
+              <a:t>Mash-up-</a:t>
             </a:r>
             <a:r>
               <a:rPr lang="en-US" altLang="ko-KR" sz="1200" b="1" dirty="0" err="1">
